--- a/slides/week-3.pptx
+++ b/slides/week-3.pptx
@@ -197,10 +197,6 @@
 </p:presentation>
 </file>
 
-<file path=ppt/revisionInfo.xml><?xml version="1.0" encoding="utf-8"?>
-<p1510:revInfo xmlns:a="http://schemas.openxmlformats.org/drawingml/2006/main" xmlns:r="http://schemas.openxmlformats.org/officeDocument/2006/relationships" xmlns:p1510="http://schemas.microsoft.com/office/powerpoint/2015/10/main"/>
-</file>
-
 <file path=ppt/notesMasters/notesMaster1.xml><?xml version="1.0" encoding="utf-8"?>
 <p:notesMaster xmlns:a="http://schemas.openxmlformats.org/drawingml/2006/main" xmlns:r="http://schemas.openxmlformats.org/officeDocument/2006/relationships" xmlns:p="http://schemas.openxmlformats.org/presentationml/2006/main">
   <p:cSld>
@@ -283,7 +279,7 @@
           <a:p>
             <a:fld id="{BEE89151-D79D-4EC9-9784-97880FB4680D}" type="datetimeFigureOut">
               <a:rPr lang="en-US" smtClean="0"/>
-              <a:t>11/13/2017</a:t>
+              <a:t>1/25/18</a:t>
             </a:fld>
             <a:endParaRPr lang="en-US"/>
           </a:p>
@@ -689,7 +685,7 @@
           <a:p>
             <a:fld id="{1D8BD707-D9CF-40AE-B4C6-C98DA3205C09}" type="datetimeFigureOut">
               <a:rPr lang="en-US"/>
-              <a:t>11/13/2017</a:t>
+              <a:t>1/25/18</a:t>
             </a:fld>
             <a:endParaRPr lang="en-US"/>
           </a:p>
@@ -872,7 +868,7 @@
           <a:p>
             <a:fld id="{1D8BD707-D9CF-40AE-B4C6-C98DA3205C09}" type="datetimeFigureOut">
               <a:rPr lang="en-US"/>
-              <a:t>11/13/2017</a:t>
+              <a:t>1/25/18</a:t>
             </a:fld>
             <a:endParaRPr lang="en-US"/>
           </a:p>
@@ -1092,7 +1088,7 @@
           <a:p>
             <a:fld id="{1D8BD707-D9CF-40AE-B4C6-C98DA3205C09}" type="datetimeFigureOut">
               <a:rPr lang="en-US"/>
-              <a:t>11/13/2017</a:t>
+              <a:t>1/25/18</a:t>
             </a:fld>
             <a:endParaRPr lang="en-US"/>
           </a:p>
@@ -1304,7 +1300,7 @@
           <a:p>
             <a:fld id="{1D8BD707-D9CF-40AE-B4C6-C98DA3205C09}" type="datetimeFigureOut">
               <a:rPr lang="en-US"/>
-              <a:t>11/13/2017</a:t>
+              <a:t>1/25/18</a:t>
             </a:fld>
             <a:endParaRPr lang="en-US"/>
           </a:p>
@@ -1429,7 +1425,7 @@
           <a:p>
             <a:fld id="{1D8BD707-D9CF-40AE-B4C6-C98DA3205C09}" type="datetimeFigureOut">
               <a:rPr lang="en-US"/>
-              <a:t>11/13/2017</a:t>
+              <a:t>1/25/18</a:t>
             </a:fld>
             <a:endParaRPr lang="en-US"/>
           </a:p>
@@ -1660,7 +1656,7 @@
           <a:p>
             <a:fld id="{1D8BD707-D9CF-40AE-B4C6-C98DA3205C09}" type="datetimeFigureOut">
               <a:rPr lang="en-US"/>
-              <a:t>11/13/2017</a:t>
+              <a:t>1/25/18</a:t>
             </a:fld>
             <a:endParaRPr lang="en-US"/>
           </a:p>
@@ -2191,7 +2187,7 @@
         <p:spPr>
           <a:xfrm>
             <a:off x="4096829" y="8305800"/>
-            <a:ext cx="4808220" cy="1044773"/>
+            <a:ext cx="4808220" cy="1104277"/>
           </a:xfrm>
           <a:prstGeom prst="rect">
             <a:avLst/>
@@ -2216,18 +2212,35 @@
                 <a:latin typeface="Georgia" panose="02040502050405020303" pitchFamily="18" charset="0"/>
                 <a:cs typeface="Lora"/>
               </a:rPr>
-              <a:t>Instructor: </a:t>
-            </a:r>
-            <a:r>
-              <a:rPr lang="en-US" sz="2300" spc="-5" dirty="0">
+              <a:t>Instructor</a:t>
+            </a:r>
+            <a:r>
+              <a:rPr sz="2300" spc="-5">
                 <a:solidFill>
                   <a:srgbClr val="565B5F"/>
                 </a:solidFill>
                 <a:latin typeface="Georgia" panose="02040502050405020303" pitchFamily="18" charset="0"/>
                 <a:cs typeface="Lora"/>
               </a:rPr>
-              <a:t>Beck Johnson</a:t>
-            </a:r>
+              <a:t>: </a:t>
+            </a:r>
+            <a:r>
+              <a:rPr lang="en-US" sz="2300" spc="-5">
+                <a:solidFill>
+                  <a:srgbClr val="565B5F"/>
+                </a:solidFill>
+                <a:latin typeface="Georgia" panose="02040502050405020303" pitchFamily="18" charset="0"/>
+                <a:cs typeface="Lora"/>
+              </a:rPr>
+              <a:t>Aaron Bronow</a:t>
+            </a:r>
+            <a:endParaRPr lang="en-US" sz="2300" spc="-5" dirty="0">
+              <a:solidFill>
+                <a:srgbClr val="565B5F"/>
+              </a:solidFill>
+              <a:latin typeface="Georgia" panose="02040502050405020303" pitchFamily="18" charset="0"/>
+              <a:cs typeface="Lora"/>
+            </a:endParaRPr>
           </a:p>
           <a:p>
             <a:pPr marL="546100" marR="537210" algn="ctr">
@@ -7312,7 +7325,7 @@
             </a:ln>
             <a:extLst>
               <a:ext uri="{C572A759-6A51-4108-AA02-DFA0A04FC94B}">
-                <ma14:wrappingTextBoxFlag xmlns:ma14="http://schemas.microsoft.com/office/mac/drawingml/2011/main" xmlns="" val="1"/>
+                <ma14:wrappingTextBoxFlag xmlns="" xmlns:ma14="http://schemas.microsoft.com/office/mac/drawingml/2011/main" val="1"/>
               </a:ext>
             </a:extLst>
           </p:spPr>
@@ -7362,7 +7375,7 @@
             </a:ln>
             <a:extLst>
               <a:ext uri="{C572A759-6A51-4108-AA02-DFA0A04FC94B}">
-                <ma14:wrappingTextBoxFlag xmlns:ma14="http://schemas.microsoft.com/office/mac/drawingml/2011/main" xmlns="" val="1"/>
+                <ma14:wrappingTextBoxFlag xmlns="" xmlns:ma14="http://schemas.microsoft.com/office/mac/drawingml/2011/main" val="1"/>
               </a:ext>
             </a:extLst>
           </p:spPr>
@@ -7412,7 +7425,7 @@
             </a:ln>
             <a:extLst>
               <a:ext uri="{C572A759-6A51-4108-AA02-DFA0A04FC94B}">
-                <ma14:wrappingTextBoxFlag xmlns:ma14="http://schemas.microsoft.com/office/mac/drawingml/2011/main" xmlns="" val="1"/>
+                <ma14:wrappingTextBoxFlag xmlns="" xmlns:ma14="http://schemas.microsoft.com/office/mac/drawingml/2011/main" val="1"/>
               </a:ext>
             </a:extLst>
           </p:spPr>
@@ -7462,7 +7475,7 @@
             </a:ln>
             <a:extLst>
               <a:ext uri="{C572A759-6A51-4108-AA02-DFA0A04FC94B}">
-                <ma14:wrappingTextBoxFlag xmlns:ma14="http://schemas.microsoft.com/office/mac/drawingml/2011/main" xmlns="" val="1"/>
+                <ma14:wrappingTextBoxFlag xmlns="" xmlns:ma14="http://schemas.microsoft.com/office/mac/drawingml/2011/main" val="1"/>
               </a:ext>
             </a:extLst>
           </p:spPr>
